--- a/LINQ.pptx
+++ b/LINQ.pptx
@@ -6,6 +6,12 @@
   </p:sldMasterIdLst>
   <p:sldIdLst>
     <p:sldId id="256" r:id="rId2"/>
+    <p:sldId id="257" r:id="rId3"/>
+    <p:sldId id="258" r:id="rId4"/>
+    <p:sldId id="259" r:id="rId5"/>
+    <p:sldId id="260" r:id="rId6"/>
+    <p:sldId id="262" r:id="rId7"/>
+    <p:sldId id="264" r:id="rId8"/>
   </p:sldIdLst>
   <p:sldSz cx="12192000" cy="6858000"/>
   <p:notesSz cx="6858000" cy="9144000"/>
@@ -104,6 +110,11 @@
       </a:defRPr>
     </a:lvl9pPr>
   </p:defaultTextStyle>
+  <p:extLst>
+    <p:ext uri="{EFAFB233-063F-42B5-8137-9DF3F51BA10A}">
+      <p15:sldGuideLst xmlns:p15="http://schemas.microsoft.com/office/powerpoint/2012/main"/>
+    </p:ext>
+  </p:extLst>
 </p:presentation>
 </file>
 
@@ -2966,39 +2977,43 @@
       </p:grpSpPr>
       <p:sp>
         <p:nvSpPr>
-          <p:cNvPr id="2" name="제목 1"/>
-          <p:cNvSpPr>
-            <a:spLocks noGrp="1"/>
-          </p:cNvSpPr>
-          <p:nvPr>
-            <p:ph type="ctrTitle"/>
-          </p:nvPr>
-        </p:nvSpPr>
-        <p:spPr/>
-        <p:txBody>
-          <a:bodyPr/>
-          <a:lstStyle/>
-          <a:p>
-            <a:endParaRPr lang="ko-KR" altLang="en-US"/>
-          </a:p>
-        </p:txBody>
-      </p:sp>
-      <p:sp>
-        <p:nvSpPr>
-          <p:cNvPr id="3" name="부제목 2"/>
-          <p:cNvSpPr>
-            <a:spLocks noGrp="1"/>
-          </p:cNvSpPr>
-          <p:nvPr>
-            <p:ph type="subTitle" idx="1"/>
-          </p:nvPr>
-        </p:nvSpPr>
-        <p:spPr/>
-        <p:txBody>
-          <a:bodyPr/>
-          <a:lstStyle/>
-          <a:p>
-            <a:endParaRPr lang="ko-KR" altLang="en-US"/>
+          <p:cNvPr id="4" name="TextBox 3"/>
+          <p:cNvSpPr txBox="1"/>
+          <p:nvPr/>
+        </p:nvSpPr>
+        <p:spPr>
+          <a:xfrm>
+            <a:off x="4241967" y="2497976"/>
+            <a:ext cx="3708066" cy="1862048"/>
+          </a:xfrm>
+          <a:prstGeom prst="rect">
+            <a:avLst/>
+          </a:prstGeom>
+          <a:noFill/>
+        </p:spPr>
+        <p:txBody>
+          <a:bodyPr wrap="none" rtlCol="0">
+            <a:spAutoFit/>
+          </a:bodyPr>
+          <a:lstStyle/>
+          <a:p>
+            <a:r>
+              <a:rPr lang="en-US" altLang="ko-KR" sz="11500" b="1" dirty="0" smtClean="0">
+                <a:solidFill>
+                  <a:schemeClr val="accent5"/>
+                </a:solidFill>
+                <a:latin typeface="Arial" panose="020B0604020202020204" pitchFamily="34" charset="0"/>
+                <a:cs typeface="Arial" panose="020B0604020202020204" pitchFamily="34" charset="0"/>
+              </a:rPr>
+              <a:t>LINQ</a:t>
+            </a:r>
+            <a:endParaRPr lang="ko-KR" altLang="en-US" sz="11500" b="1" dirty="0">
+              <a:solidFill>
+                <a:schemeClr val="accent5"/>
+              </a:solidFill>
+              <a:latin typeface="Arial" panose="020B0604020202020204" pitchFamily="34" charset="0"/>
+              <a:cs typeface="Arial" panose="020B0604020202020204" pitchFamily="34" charset="0"/>
+            </a:endParaRPr>
           </a:p>
         </p:txBody>
       </p:sp>
@@ -3006,6 +3021,1735 @@
     <p:extLst>
       <p:ext uri="{BB962C8B-B14F-4D97-AF65-F5344CB8AC3E}">
         <p14:creationId xmlns:p14="http://schemas.microsoft.com/office/powerpoint/2010/main" val="1617575975"/>
+      </p:ext>
+    </p:extLst>
+  </p:cSld>
+  <p:clrMapOvr>
+    <a:masterClrMapping/>
+  </p:clrMapOvr>
+</p:sld>
+</file>
+
+<file path=ppt/slides/slide2.xml><?xml version="1.0" encoding="utf-8"?>
+<p:sld xmlns:a="http://schemas.openxmlformats.org/drawingml/2006/main" xmlns:r="http://schemas.openxmlformats.org/officeDocument/2006/relationships" xmlns:p="http://schemas.openxmlformats.org/presentationml/2006/main">
+  <p:cSld>
+    <p:spTree>
+      <p:nvGrpSpPr>
+        <p:cNvPr id="1" name=""/>
+        <p:cNvGrpSpPr/>
+        <p:nvPr/>
+      </p:nvGrpSpPr>
+      <p:grpSpPr>
+        <a:xfrm>
+          <a:off x="0" y="0"/>
+          <a:ext cx="0" cy="0"/>
+          <a:chOff x="0" y="0"/>
+          <a:chExt cx="0" cy="0"/>
+        </a:xfrm>
+      </p:grpSpPr>
+      <p:sp>
+        <p:nvSpPr>
+          <p:cNvPr id="4" name="TextBox 3"/>
+          <p:cNvSpPr txBox="1"/>
+          <p:nvPr/>
+        </p:nvSpPr>
+        <p:spPr>
+          <a:xfrm>
+            <a:off x="550501" y="381310"/>
+            <a:ext cx="2911374" cy="646331"/>
+          </a:xfrm>
+          <a:prstGeom prst="rect">
+            <a:avLst/>
+          </a:prstGeom>
+          <a:noFill/>
+        </p:spPr>
+        <p:txBody>
+          <a:bodyPr wrap="none" rtlCol="0">
+            <a:spAutoFit/>
+          </a:bodyPr>
+          <a:lstStyle/>
+          <a:p>
+            <a:r>
+              <a:rPr lang="en-US" altLang="ko-KR" sz="3600" b="1" dirty="0" smtClean="0">
+                <a:solidFill>
+                  <a:schemeClr val="accent5"/>
+                </a:solidFill>
+                <a:latin typeface="Arial" panose="020B0604020202020204" pitchFamily="34" charset="0"/>
+                <a:cs typeface="Arial" panose="020B0604020202020204" pitchFamily="34" charset="0"/>
+              </a:rPr>
+              <a:t>LINQ </a:t>
+            </a:r>
+            <a:r>
+              <a:rPr lang="ko-KR" altLang="en-US" sz="2000" dirty="0" smtClean="0">
+                <a:latin typeface="+mj-lt"/>
+                <a:cs typeface="Arial" panose="020B0604020202020204" pitchFamily="34" charset="0"/>
+              </a:rPr>
+              <a:t>란 무엇인가</a:t>
+            </a:r>
+            <a:r>
+              <a:rPr lang="en-US" altLang="ko-KR" sz="2000" dirty="0" smtClean="0">
+                <a:latin typeface="+mj-lt"/>
+                <a:cs typeface="Arial" panose="020B0604020202020204" pitchFamily="34" charset="0"/>
+              </a:rPr>
+              <a:t>?</a:t>
+            </a:r>
+            <a:endParaRPr lang="ko-KR" altLang="en-US" sz="3600" dirty="0">
+              <a:latin typeface="+mj-lt"/>
+              <a:cs typeface="Arial" panose="020B0604020202020204" pitchFamily="34" charset="0"/>
+            </a:endParaRPr>
+          </a:p>
+        </p:txBody>
+      </p:sp>
+      <p:sp>
+        <p:nvSpPr>
+          <p:cNvPr id="2" name="TextBox 1"/>
+          <p:cNvSpPr txBox="1"/>
+          <p:nvPr/>
+        </p:nvSpPr>
+        <p:spPr>
+          <a:xfrm>
+            <a:off x="1111039" y="3087213"/>
+            <a:ext cx="8557151" cy="1477328"/>
+          </a:xfrm>
+          <a:prstGeom prst="rect">
+            <a:avLst/>
+          </a:prstGeom>
+          <a:noFill/>
+        </p:spPr>
+        <p:txBody>
+          <a:bodyPr wrap="none" rtlCol="0">
+            <a:spAutoFit/>
+          </a:bodyPr>
+          <a:lstStyle/>
+          <a:p>
+            <a:r>
+              <a:rPr lang="en-US" altLang="ko-KR" dirty="0" smtClean="0"/>
+              <a:t>LINQ</a:t>
+            </a:r>
+            <a:r>
+              <a:rPr lang="ko-KR" altLang="en-US" dirty="0" smtClean="0"/>
+              <a:t>는 </a:t>
+            </a:r>
+            <a:r>
+              <a:rPr lang="en-US" altLang="ko-KR" dirty="0" smtClean="0"/>
+              <a:t>Language Integrated Query</a:t>
+            </a:r>
+            <a:r>
+              <a:rPr lang="ko-KR" altLang="en-US" dirty="0" smtClean="0"/>
+              <a:t>의 약어로 </a:t>
+            </a:r>
+            <a:r>
+              <a:rPr lang="ko-KR" altLang="en-US" dirty="0" smtClean="0">
+                <a:solidFill>
+                  <a:srgbClr val="FF3399"/>
+                </a:solidFill>
+              </a:rPr>
+              <a:t>데이터에 대해 질문하는 언어</a:t>
+            </a:r>
+            <a:r>
+              <a:rPr lang="ko-KR" altLang="en-US" dirty="0" smtClean="0">
+                <a:latin typeface="+mj-lt"/>
+              </a:rPr>
+              <a:t>이다</a:t>
+            </a:r>
+            <a:r>
+              <a:rPr lang="en-US" altLang="ko-KR" dirty="0" smtClean="0">
+                <a:latin typeface="+mj-lt"/>
+              </a:rPr>
+              <a:t>.</a:t>
+            </a:r>
+          </a:p>
+          <a:p>
+            <a:endParaRPr lang="en-US" altLang="ko-KR" dirty="0">
+              <a:solidFill>
+                <a:srgbClr val="FF3399"/>
+              </a:solidFill>
+            </a:endParaRPr>
+          </a:p>
+          <a:p>
+            <a:r>
+              <a:rPr lang="en-US" altLang="ko-KR" dirty="0" smtClean="0"/>
+              <a:t>LINQ</a:t>
+            </a:r>
+            <a:r>
+              <a:rPr lang="ko-KR" altLang="en-US" dirty="0" smtClean="0"/>
+              <a:t>의 역할은 데이터에 대해 질문하고</a:t>
+            </a:r>
+            <a:r>
+              <a:rPr lang="en-US" altLang="ko-KR" dirty="0" smtClean="0"/>
+              <a:t>, </a:t>
+            </a:r>
+            <a:r>
+              <a:rPr lang="ko-KR" altLang="en-US" dirty="0" smtClean="0"/>
+              <a:t>그 답에 해당하는 데이터를 찾는 것이다</a:t>
+            </a:r>
+            <a:r>
+              <a:rPr lang="en-US" altLang="ko-KR" dirty="0" smtClean="0"/>
+              <a:t>.</a:t>
+            </a:r>
+          </a:p>
+          <a:p>
+            <a:endParaRPr lang="en-US" altLang="ko-KR" dirty="0"/>
+          </a:p>
+          <a:p>
+            <a:r>
+              <a:rPr lang="ko-KR" altLang="en-US" dirty="0" smtClean="0"/>
+              <a:t>코드를 단순화 시켜준다</a:t>
+            </a:r>
+            <a:r>
+              <a:rPr lang="en-US" altLang="ko-KR" dirty="0" smtClean="0"/>
+              <a:t>.</a:t>
+            </a:r>
+            <a:endParaRPr lang="en-US" altLang="ko-KR" dirty="0"/>
+          </a:p>
+        </p:txBody>
+      </p:sp>
+    </p:spTree>
+    <p:extLst>
+      <p:ext uri="{BB962C8B-B14F-4D97-AF65-F5344CB8AC3E}">
+        <p14:creationId xmlns:p14="http://schemas.microsoft.com/office/powerpoint/2010/main" val="2068143813"/>
+      </p:ext>
+    </p:extLst>
+  </p:cSld>
+  <p:clrMapOvr>
+    <a:masterClrMapping/>
+  </p:clrMapOvr>
+</p:sld>
+</file>
+
+<file path=ppt/slides/slide3.xml><?xml version="1.0" encoding="utf-8"?>
+<p:sld xmlns:a="http://schemas.openxmlformats.org/drawingml/2006/main" xmlns:r="http://schemas.openxmlformats.org/officeDocument/2006/relationships" xmlns:p="http://schemas.openxmlformats.org/presentationml/2006/main">
+  <p:cSld>
+    <p:spTree>
+      <p:nvGrpSpPr>
+        <p:cNvPr id="1" name=""/>
+        <p:cNvGrpSpPr/>
+        <p:nvPr/>
+      </p:nvGrpSpPr>
+      <p:grpSpPr>
+        <a:xfrm>
+          <a:off x="0" y="0"/>
+          <a:ext cx="0" cy="0"/>
+          <a:chOff x="0" y="0"/>
+          <a:chExt cx="0" cy="0"/>
+        </a:xfrm>
+      </p:grpSpPr>
+      <p:sp>
+        <p:nvSpPr>
+          <p:cNvPr id="4" name="TextBox 3"/>
+          <p:cNvSpPr txBox="1"/>
+          <p:nvPr/>
+        </p:nvSpPr>
+        <p:spPr>
+          <a:xfrm>
+            <a:off x="550501" y="381310"/>
+            <a:ext cx="2185214" cy="646331"/>
+          </a:xfrm>
+          <a:prstGeom prst="rect">
+            <a:avLst/>
+          </a:prstGeom>
+          <a:noFill/>
+        </p:spPr>
+        <p:txBody>
+          <a:bodyPr wrap="none" rtlCol="0">
+            <a:spAutoFit/>
+          </a:bodyPr>
+          <a:lstStyle/>
+          <a:p>
+            <a:r>
+              <a:rPr lang="en-US" altLang="ko-KR" sz="3600" b="1" dirty="0" smtClean="0">
+                <a:solidFill>
+                  <a:schemeClr val="accent5"/>
+                </a:solidFill>
+                <a:latin typeface="Arial" panose="020B0604020202020204" pitchFamily="34" charset="0"/>
+                <a:cs typeface="Arial" panose="020B0604020202020204" pitchFamily="34" charset="0"/>
+              </a:rPr>
+              <a:t>LINQ </a:t>
+            </a:r>
+            <a:r>
+              <a:rPr lang="ko-KR" altLang="en-US" sz="2000" dirty="0" smtClean="0">
+                <a:latin typeface="+mj-lt"/>
+                <a:cs typeface="Arial" panose="020B0604020202020204" pitchFamily="34" charset="0"/>
+              </a:rPr>
+              <a:t>키워드</a:t>
+            </a:r>
+            <a:endParaRPr lang="ko-KR" altLang="en-US" sz="3600" dirty="0">
+              <a:latin typeface="+mj-lt"/>
+              <a:cs typeface="Arial" panose="020B0604020202020204" pitchFamily="34" charset="0"/>
+            </a:endParaRPr>
+          </a:p>
+        </p:txBody>
+      </p:sp>
+      <p:sp>
+        <p:nvSpPr>
+          <p:cNvPr id="3" name="TextBox 2"/>
+          <p:cNvSpPr txBox="1"/>
+          <p:nvPr/>
+        </p:nvSpPr>
+        <p:spPr>
+          <a:xfrm>
+            <a:off x="541467" y="1764632"/>
+            <a:ext cx="11339899" cy="4124206"/>
+          </a:xfrm>
+          <a:prstGeom prst="rect">
+            <a:avLst/>
+          </a:prstGeom>
+          <a:noFill/>
+        </p:spPr>
+        <p:txBody>
+          <a:bodyPr wrap="none" rtlCol="0">
+            <a:spAutoFit/>
+          </a:bodyPr>
+          <a:lstStyle/>
+          <a:p>
+            <a:r>
+              <a:rPr lang="en-US" altLang="ko-KR" sz="3200" dirty="0" smtClean="0"/>
+              <a:t>from</a:t>
+            </a:r>
+          </a:p>
+          <a:p>
+            <a:endParaRPr lang="en-US" altLang="ko-KR" sz="3200" dirty="0"/>
+          </a:p>
+          <a:p>
+            <a:endParaRPr lang="en-US" altLang="ko-KR" dirty="0" smtClean="0"/>
+          </a:p>
+          <a:p>
+            <a:r>
+              <a:rPr lang="ko-KR" altLang="en-US" dirty="0" smtClean="0"/>
+              <a:t>검색할 범위를 지정하는 키워드이며 </a:t>
+            </a:r>
+            <a:r>
+              <a:rPr lang="en-US" altLang="ko-KR" dirty="0" smtClean="0"/>
+              <a:t>‘</a:t>
+            </a:r>
+            <a:r>
+              <a:rPr lang="en-US" altLang="ko-KR" dirty="0" err="1" smtClean="0"/>
+              <a:t>foreach</a:t>
+            </a:r>
+            <a:r>
+              <a:rPr lang="en-US" altLang="ko-KR" dirty="0" smtClean="0"/>
+              <a:t>’</a:t>
+            </a:r>
+            <a:r>
+              <a:rPr lang="ko-KR" altLang="en-US" dirty="0" smtClean="0"/>
+              <a:t>문과 비슷한 형식이다</a:t>
+            </a:r>
+            <a:r>
+              <a:rPr lang="en-US" altLang="ko-KR" dirty="0" smtClean="0"/>
+              <a:t>.</a:t>
+            </a:r>
+          </a:p>
+          <a:p>
+            <a:endParaRPr lang="en-US" altLang="ko-KR" dirty="0" smtClean="0"/>
+          </a:p>
+          <a:p>
+            <a:r>
+              <a:rPr lang="en-US" altLang="ko-KR" dirty="0" err="1" smtClean="0"/>
+              <a:t>foreach</a:t>
+            </a:r>
+            <a:r>
+              <a:rPr lang="en-US" altLang="ko-KR" dirty="0" smtClean="0"/>
+              <a:t>(</a:t>
+            </a:r>
+            <a:r>
+              <a:rPr lang="en-US" altLang="ko-KR" dirty="0" err="1" smtClean="0"/>
+              <a:t>var</a:t>
+            </a:r>
+            <a:r>
+              <a:rPr lang="en-US" altLang="ko-KR" dirty="0" smtClean="0"/>
+              <a:t> element in array)  =&gt; from element in array</a:t>
+            </a:r>
+          </a:p>
+          <a:p>
+            <a:endParaRPr lang="en-US" altLang="ko-KR" dirty="0"/>
+          </a:p>
+          <a:p>
+            <a:r>
+              <a:rPr lang="ko-KR" altLang="en-US" dirty="0" smtClean="0"/>
+              <a:t>다만 </a:t>
+            </a:r>
+            <a:r>
+              <a:rPr lang="en-US" altLang="ko-KR" dirty="0" err="1" smtClean="0"/>
+              <a:t>foreach</a:t>
+            </a:r>
+            <a:r>
+              <a:rPr lang="ko-KR" altLang="en-US" dirty="0" smtClean="0"/>
+              <a:t>문과 차이점은 </a:t>
+            </a:r>
+            <a:r>
+              <a:rPr lang="en-US" altLang="ko-KR" dirty="0" smtClean="0"/>
+              <a:t>element </a:t>
+            </a:r>
+            <a:r>
+              <a:rPr lang="ko-KR" altLang="en-US" dirty="0" smtClean="0"/>
+              <a:t>변수에 데이터가 저장 되는 것이 아니고 단순히 </a:t>
+            </a:r>
+            <a:r>
+              <a:rPr lang="en-US" altLang="ko-KR" dirty="0" smtClean="0">
+                <a:solidFill>
+                  <a:srgbClr val="FF3399"/>
+                </a:solidFill>
+              </a:rPr>
+              <a:t>array</a:t>
+            </a:r>
+            <a:r>
+              <a:rPr lang="ko-KR" altLang="en-US" dirty="0" smtClean="0">
+                <a:solidFill>
+                  <a:srgbClr val="FF3399"/>
+                </a:solidFill>
+              </a:rPr>
+              <a:t>에 존재하는 요소</a:t>
+            </a:r>
+            <a:endParaRPr lang="en-US" altLang="ko-KR" dirty="0"/>
+          </a:p>
+          <a:p>
+            <a:r>
+              <a:rPr lang="ko-KR" altLang="en-US" dirty="0" smtClean="0"/>
+              <a:t>라는 의미로만 사용된다</a:t>
+            </a:r>
+            <a:r>
+              <a:rPr lang="en-US" altLang="ko-KR" dirty="0" smtClean="0"/>
+              <a:t>.</a:t>
+            </a:r>
+          </a:p>
+          <a:p>
+            <a:endParaRPr lang="en-US" altLang="ko-KR" dirty="0"/>
+          </a:p>
+          <a:p>
+            <a:r>
+              <a:rPr lang="ko-KR" altLang="en-US" dirty="0" smtClean="0"/>
+              <a:t>제약 조건으로는 </a:t>
+            </a:r>
+            <a:r>
+              <a:rPr lang="en-US" altLang="ko-KR" b="1" dirty="0" err="1" smtClean="0">
+                <a:latin typeface="Arial" panose="020B0604020202020204" pitchFamily="34" charset="0"/>
+                <a:cs typeface="Arial" panose="020B0604020202020204" pitchFamily="34" charset="0"/>
+              </a:rPr>
+              <a:t>IEnumerable</a:t>
+            </a:r>
+            <a:r>
+              <a:rPr lang="en-US" altLang="ko-KR" b="1" dirty="0" smtClean="0">
+                <a:latin typeface="Arial" panose="020B0604020202020204" pitchFamily="34" charset="0"/>
+                <a:cs typeface="Arial" panose="020B0604020202020204" pitchFamily="34" charset="0"/>
+              </a:rPr>
+              <a:t>&lt;T&gt;</a:t>
+            </a:r>
+            <a:r>
+              <a:rPr lang="en-US" altLang="ko-KR" dirty="0" smtClean="0"/>
+              <a:t> </a:t>
+            </a:r>
+            <a:r>
+              <a:rPr lang="ko-KR" altLang="en-US" dirty="0" smtClean="0"/>
+              <a:t>인터페이스를 상속 하는 타입만 사용한다</a:t>
+            </a:r>
+            <a:r>
+              <a:rPr lang="en-US" altLang="ko-KR" dirty="0" smtClean="0"/>
+              <a:t>.</a:t>
+            </a:r>
+          </a:p>
+          <a:p>
+            <a:endParaRPr lang="en-US" altLang="ko-KR" dirty="0" smtClean="0"/>
+          </a:p>
+          <a:p>
+            <a:r>
+              <a:rPr lang="ko-KR" altLang="en-US" dirty="0" smtClean="0"/>
+              <a:t>하지만 </a:t>
+            </a:r>
+            <a:r>
+              <a:rPr lang="en-US" altLang="ko-KR" dirty="0" smtClean="0"/>
+              <a:t>C#</a:t>
+            </a:r>
+            <a:r>
+              <a:rPr lang="ko-KR" altLang="en-US" dirty="0" smtClean="0"/>
+              <a:t>에서는 배열이나 </a:t>
+            </a:r>
+            <a:r>
+              <a:rPr lang="en-US" altLang="ko-KR" dirty="0" smtClean="0"/>
+              <a:t>collection</a:t>
+            </a:r>
+            <a:r>
+              <a:rPr lang="ko-KR" altLang="en-US" dirty="0" smtClean="0"/>
+              <a:t>등은 모두 </a:t>
+            </a:r>
+            <a:r>
+              <a:rPr lang="en-US" altLang="ko-KR" b="1" dirty="0" err="1">
+                <a:latin typeface="Arial" panose="020B0604020202020204" pitchFamily="34" charset="0"/>
+                <a:cs typeface="Arial" panose="020B0604020202020204" pitchFamily="34" charset="0"/>
+              </a:rPr>
+              <a:t>IEnumerable</a:t>
+            </a:r>
+            <a:r>
+              <a:rPr lang="en-US" altLang="ko-KR" b="1" dirty="0">
+                <a:latin typeface="Arial" panose="020B0604020202020204" pitchFamily="34" charset="0"/>
+                <a:cs typeface="Arial" panose="020B0604020202020204" pitchFamily="34" charset="0"/>
+              </a:rPr>
+              <a:t>&lt;T</a:t>
+            </a:r>
+            <a:r>
+              <a:rPr lang="en-US" altLang="ko-KR" b="1" dirty="0" smtClean="0">
+                <a:latin typeface="Arial" panose="020B0604020202020204" pitchFamily="34" charset="0"/>
+                <a:cs typeface="Arial" panose="020B0604020202020204" pitchFamily="34" charset="0"/>
+              </a:rPr>
+              <a:t>&gt;</a:t>
+            </a:r>
+            <a:r>
+              <a:rPr lang="ko-KR" altLang="en-US" dirty="0" smtClean="0">
+                <a:latin typeface="Arial" panose="020B0604020202020204" pitchFamily="34" charset="0"/>
+                <a:cs typeface="Arial" panose="020B0604020202020204" pitchFamily="34" charset="0"/>
+              </a:rPr>
+              <a:t>을 상속하기 때문에 전부 사용이 가능하다</a:t>
+            </a:r>
+            <a:r>
+              <a:rPr lang="en-US" altLang="ko-KR" dirty="0" smtClean="0">
+                <a:latin typeface="Arial" panose="020B0604020202020204" pitchFamily="34" charset="0"/>
+                <a:cs typeface="Arial" panose="020B0604020202020204" pitchFamily="34" charset="0"/>
+              </a:rPr>
+              <a:t>.</a:t>
+            </a:r>
+            <a:endParaRPr lang="en-US" altLang="ko-KR" dirty="0" smtClean="0"/>
+          </a:p>
+        </p:txBody>
+      </p:sp>
+    </p:spTree>
+    <p:extLst>
+      <p:ext uri="{BB962C8B-B14F-4D97-AF65-F5344CB8AC3E}">
+        <p14:creationId xmlns:p14="http://schemas.microsoft.com/office/powerpoint/2010/main" val="2907364919"/>
+      </p:ext>
+    </p:extLst>
+  </p:cSld>
+  <p:clrMapOvr>
+    <a:masterClrMapping/>
+  </p:clrMapOvr>
+</p:sld>
+</file>
+
+<file path=ppt/slides/slide4.xml><?xml version="1.0" encoding="utf-8"?>
+<p:sld xmlns:a="http://schemas.openxmlformats.org/drawingml/2006/main" xmlns:r="http://schemas.openxmlformats.org/officeDocument/2006/relationships" xmlns:p="http://schemas.openxmlformats.org/presentationml/2006/main">
+  <p:cSld>
+    <p:spTree>
+      <p:nvGrpSpPr>
+        <p:cNvPr id="1" name=""/>
+        <p:cNvGrpSpPr/>
+        <p:nvPr/>
+      </p:nvGrpSpPr>
+      <p:grpSpPr>
+        <a:xfrm>
+          <a:off x="0" y="0"/>
+          <a:ext cx="0" cy="0"/>
+          <a:chOff x="0" y="0"/>
+          <a:chExt cx="0" cy="0"/>
+        </a:xfrm>
+      </p:grpSpPr>
+      <p:sp>
+        <p:nvSpPr>
+          <p:cNvPr id="4" name="TextBox 3"/>
+          <p:cNvSpPr txBox="1"/>
+          <p:nvPr/>
+        </p:nvSpPr>
+        <p:spPr>
+          <a:xfrm>
+            <a:off x="550501" y="381310"/>
+            <a:ext cx="2185214" cy="646331"/>
+          </a:xfrm>
+          <a:prstGeom prst="rect">
+            <a:avLst/>
+          </a:prstGeom>
+          <a:noFill/>
+        </p:spPr>
+        <p:txBody>
+          <a:bodyPr wrap="none" rtlCol="0">
+            <a:spAutoFit/>
+          </a:bodyPr>
+          <a:lstStyle/>
+          <a:p>
+            <a:r>
+              <a:rPr lang="en-US" altLang="ko-KR" sz="3600" b="1" dirty="0" smtClean="0">
+                <a:solidFill>
+                  <a:schemeClr val="accent5"/>
+                </a:solidFill>
+                <a:latin typeface="Arial" panose="020B0604020202020204" pitchFamily="34" charset="0"/>
+                <a:cs typeface="Arial" panose="020B0604020202020204" pitchFamily="34" charset="0"/>
+              </a:rPr>
+              <a:t>LINQ </a:t>
+            </a:r>
+            <a:r>
+              <a:rPr lang="ko-KR" altLang="en-US" sz="2000" dirty="0" smtClean="0">
+                <a:latin typeface="+mj-lt"/>
+                <a:cs typeface="Arial" panose="020B0604020202020204" pitchFamily="34" charset="0"/>
+              </a:rPr>
+              <a:t>키워드</a:t>
+            </a:r>
+            <a:endParaRPr lang="ko-KR" altLang="en-US" sz="3600" dirty="0">
+              <a:latin typeface="+mj-lt"/>
+              <a:cs typeface="Arial" panose="020B0604020202020204" pitchFamily="34" charset="0"/>
+            </a:endParaRPr>
+          </a:p>
+        </p:txBody>
+      </p:sp>
+      <p:sp>
+        <p:nvSpPr>
+          <p:cNvPr id="5" name="TextBox 4"/>
+          <p:cNvSpPr txBox="1"/>
+          <p:nvPr/>
+        </p:nvSpPr>
+        <p:spPr>
+          <a:xfrm>
+            <a:off x="541467" y="1764632"/>
+            <a:ext cx="7385291" cy="4124206"/>
+          </a:xfrm>
+          <a:prstGeom prst="rect">
+            <a:avLst/>
+          </a:prstGeom>
+          <a:noFill/>
+        </p:spPr>
+        <p:txBody>
+          <a:bodyPr wrap="none" rtlCol="0">
+            <a:spAutoFit/>
+          </a:bodyPr>
+          <a:lstStyle/>
+          <a:p>
+            <a:r>
+              <a:rPr lang="en-US" altLang="ko-KR" sz="3200" dirty="0" smtClean="0"/>
+              <a:t>where</a:t>
+            </a:r>
+          </a:p>
+          <a:p>
+            <a:endParaRPr lang="en-US" altLang="ko-KR" sz="3200" dirty="0"/>
+          </a:p>
+          <a:p>
+            <a:endParaRPr lang="en-US" altLang="ko-KR" dirty="0" smtClean="0"/>
+          </a:p>
+          <a:p>
+            <a:r>
+              <a:rPr lang="en-US" altLang="ko-KR" dirty="0" smtClean="0"/>
+              <a:t>from</a:t>
+            </a:r>
+            <a:r>
+              <a:rPr lang="ko-KR" altLang="en-US" dirty="0" smtClean="0"/>
+              <a:t>에서 지정한 검색 범위에서 데이터를 걸러내는 필터 역할을 한다</a:t>
+            </a:r>
+            <a:r>
+              <a:rPr lang="en-US" altLang="ko-KR" dirty="0" smtClean="0"/>
+              <a:t>.</a:t>
+            </a:r>
+          </a:p>
+          <a:p>
+            <a:endParaRPr lang="en-US" altLang="ko-KR" dirty="0" smtClean="0"/>
+          </a:p>
+          <a:p>
+            <a:r>
+              <a:rPr lang="en-US" altLang="ko-KR" dirty="0"/>
+              <a:t>where</a:t>
+            </a:r>
+            <a:r>
+              <a:rPr lang="ko-KR" altLang="en-US" dirty="0"/>
+              <a:t>의 조건에 맞는 </a:t>
+            </a:r>
+            <a:r>
+              <a:rPr lang="ko-KR" altLang="en-US" dirty="0" smtClean="0"/>
+              <a:t>데이터들만 걸러진다</a:t>
+            </a:r>
+            <a:r>
+              <a:rPr lang="en-US" altLang="ko-KR" dirty="0" smtClean="0"/>
+              <a:t>.</a:t>
+            </a:r>
+            <a:endParaRPr lang="en-US" altLang="ko-KR" dirty="0"/>
+          </a:p>
+          <a:p>
+            <a:endParaRPr lang="en-US" altLang="ko-KR" dirty="0" smtClean="0"/>
+          </a:p>
+          <a:p>
+            <a:endParaRPr lang="en-US" altLang="ko-KR" dirty="0" smtClean="0"/>
+          </a:p>
+          <a:p>
+            <a:r>
+              <a:rPr lang="ko-KR" altLang="en-US" dirty="0" smtClean="0"/>
+              <a:t>예제</a:t>
+            </a:r>
+            <a:r>
+              <a:rPr lang="en-US" altLang="ko-KR" dirty="0" smtClean="0"/>
+              <a:t>)</a:t>
+            </a:r>
+          </a:p>
+          <a:p>
+            <a:r>
+              <a:rPr lang="en-US" altLang="ko-KR" dirty="0" err="1" smtClean="0">
+                <a:solidFill>
+                  <a:schemeClr val="accent5"/>
+                </a:solidFill>
+              </a:rPr>
+              <a:t>int</a:t>
+            </a:r>
+            <a:r>
+              <a:rPr lang="en-US" altLang="ko-KR" dirty="0" smtClean="0"/>
+              <a:t> array[] = {1, 2, 3, 4, 5, 6, 7, 8, 9};</a:t>
+            </a:r>
+            <a:endParaRPr lang="en-US" altLang="ko-KR" dirty="0"/>
+          </a:p>
+          <a:p>
+            <a:endParaRPr lang="en-US" altLang="ko-KR" dirty="0" smtClean="0"/>
+          </a:p>
+          <a:p>
+            <a:r>
+              <a:rPr lang="en-US" altLang="ko-KR" dirty="0" smtClean="0">
+                <a:solidFill>
+                  <a:schemeClr val="accent5"/>
+                </a:solidFill>
+              </a:rPr>
+              <a:t>from</a:t>
+            </a:r>
+            <a:r>
+              <a:rPr lang="en-US" altLang="ko-KR" dirty="0" smtClean="0"/>
+              <a:t> element </a:t>
+            </a:r>
+            <a:r>
+              <a:rPr lang="en-US" altLang="ko-KR" dirty="0" smtClean="0">
+                <a:solidFill>
+                  <a:schemeClr val="accent5"/>
+                </a:solidFill>
+              </a:rPr>
+              <a:t>in</a:t>
+            </a:r>
+            <a:r>
+              <a:rPr lang="en-US" altLang="ko-KR" dirty="0" smtClean="0"/>
+              <a:t> array </a:t>
+            </a:r>
+          </a:p>
+          <a:p>
+            <a:r>
+              <a:rPr lang="en-US" altLang="ko-KR" dirty="0" smtClean="0"/>
+              <a:t>	</a:t>
+            </a:r>
+            <a:r>
+              <a:rPr lang="en-US" altLang="ko-KR" dirty="0" smtClean="0">
+                <a:solidFill>
+                  <a:schemeClr val="accent5"/>
+                </a:solidFill>
+              </a:rPr>
+              <a:t>where</a:t>
+            </a:r>
+            <a:r>
+              <a:rPr lang="en-US" altLang="ko-KR" dirty="0" smtClean="0"/>
+              <a:t> element%2 == 0</a:t>
+            </a:r>
+            <a:endParaRPr lang="en-US" altLang="ko-KR" dirty="0"/>
+          </a:p>
+        </p:txBody>
+      </p:sp>
+    </p:spTree>
+    <p:extLst>
+      <p:ext uri="{BB962C8B-B14F-4D97-AF65-F5344CB8AC3E}">
+        <p14:creationId xmlns:p14="http://schemas.microsoft.com/office/powerpoint/2010/main" val="4020023569"/>
+      </p:ext>
+    </p:extLst>
+  </p:cSld>
+  <p:clrMapOvr>
+    <a:masterClrMapping/>
+  </p:clrMapOvr>
+</p:sld>
+</file>
+
+<file path=ppt/slides/slide5.xml><?xml version="1.0" encoding="utf-8"?>
+<p:sld xmlns:a="http://schemas.openxmlformats.org/drawingml/2006/main" xmlns:r="http://schemas.openxmlformats.org/officeDocument/2006/relationships" xmlns:p="http://schemas.openxmlformats.org/presentationml/2006/main">
+  <p:cSld>
+    <p:spTree>
+      <p:nvGrpSpPr>
+        <p:cNvPr id="1" name=""/>
+        <p:cNvGrpSpPr/>
+        <p:nvPr/>
+      </p:nvGrpSpPr>
+      <p:grpSpPr>
+        <a:xfrm>
+          <a:off x="0" y="0"/>
+          <a:ext cx="0" cy="0"/>
+          <a:chOff x="0" y="0"/>
+          <a:chExt cx="0" cy="0"/>
+        </a:xfrm>
+      </p:grpSpPr>
+      <p:sp>
+        <p:nvSpPr>
+          <p:cNvPr id="4" name="TextBox 3"/>
+          <p:cNvSpPr txBox="1"/>
+          <p:nvPr/>
+        </p:nvSpPr>
+        <p:spPr>
+          <a:xfrm>
+            <a:off x="550501" y="381310"/>
+            <a:ext cx="2185214" cy="646331"/>
+          </a:xfrm>
+          <a:prstGeom prst="rect">
+            <a:avLst/>
+          </a:prstGeom>
+          <a:noFill/>
+        </p:spPr>
+        <p:txBody>
+          <a:bodyPr wrap="none" rtlCol="0">
+            <a:spAutoFit/>
+          </a:bodyPr>
+          <a:lstStyle/>
+          <a:p>
+            <a:r>
+              <a:rPr lang="en-US" altLang="ko-KR" sz="3600" b="1" dirty="0" smtClean="0">
+                <a:solidFill>
+                  <a:schemeClr val="accent5"/>
+                </a:solidFill>
+                <a:latin typeface="Arial" panose="020B0604020202020204" pitchFamily="34" charset="0"/>
+                <a:cs typeface="Arial" panose="020B0604020202020204" pitchFamily="34" charset="0"/>
+              </a:rPr>
+              <a:t>LINQ </a:t>
+            </a:r>
+            <a:r>
+              <a:rPr lang="ko-KR" altLang="en-US" sz="2000" dirty="0" smtClean="0">
+                <a:latin typeface="+mj-lt"/>
+                <a:cs typeface="Arial" panose="020B0604020202020204" pitchFamily="34" charset="0"/>
+              </a:rPr>
+              <a:t>키워드</a:t>
+            </a:r>
+            <a:endParaRPr lang="ko-KR" altLang="en-US" sz="3600" dirty="0">
+              <a:latin typeface="+mj-lt"/>
+              <a:cs typeface="Arial" panose="020B0604020202020204" pitchFamily="34" charset="0"/>
+            </a:endParaRPr>
+          </a:p>
+        </p:txBody>
+      </p:sp>
+      <p:sp>
+        <p:nvSpPr>
+          <p:cNvPr id="5" name="TextBox 4"/>
+          <p:cNvSpPr txBox="1"/>
+          <p:nvPr/>
+        </p:nvSpPr>
+        <p:spPr>
+          <a:xfrm>
+            <a:off x="541467" y="1764632"/>
+            <a:ext cx="10036722" cy="3847207"/>
+          </a:xfrm>
+          <a:prstGeom prst="rect">
+            <a:avLst/>
+          </a:prstGeom>
+          <a:noFill/>
+        </p:spPr>
+        <p:txBody>
+          <a:bodyPr wrap="none" rtlCol="0">
+            <a:spAutoFit/>
+          </a:bodyPr>
+          <a:lstStyle/>
+          <a:p>
+            <a:r>
+              <a:rPr lang="en-US" altLang="ko-KR" sz="3200" dirty="0" smtClean="0"/>
+              <a:t>select</a:t>
+            </a:r>
+          </a:p>
+          <a:p>
+            <a:endParaRPr lang="en-US" altLang="ko-KR" sz="3200" dirty="0"/>
+          </a:p>
+          <a:p>
+            <a:endParaRPr lang="en-US" altLang="ko-KR" dirty="0" smtClean="0"/>
+          </a:p>
+          <a:p>
+            <a:r>
+              <a:rPr lang="ko-KR" altLang="en-US" dirty="0" smtClean="0"/>
+              <a:t>검색된 데이터를 추출하는 역할을 한다</a:t>
+            </a:r>
+            <a:r>
+              <a:rPr lang="en-US" altLang="ko-KR" dirty="0" smtClean="0"/>
+              <a:t>.</a:t>
+            </a:r>
+          </a:p>
+          <a:p>
+            <a:endParaRPr lang="en-US" altLang="ko-KR" dirty="0" smtClean="0"/>
+          </a:p>
+          <a:p>
+            <a:r>
+              <a:rPr lang="ko-KR" altLang="en-US" dirty="0" smtClean="0"/>
+              <a:t>추출된 데이터는 </a:t>
+            </a:r>
+            <a:r>
+              <a:rPr lang="en-US" altLang="ko-KR" dirty="0" smtClean="0"/>
+              <a:t>select</a:t>
+            </a:r>
+            <a:r>
+              <a:rPr lang="ko-KR" altLang="en-US" dirty="0" smtClean="0"/>
+              <a:t>에서 지정한 변수의 타입으로 결정되며 </a:t>
+            </a:r>
+            <a:r>
+              <a:rPr lang="ko-KR" altLang="en-US" dirty="0" smtClean="0">
+                <a:hlinkClick r:id="rId2"/>
+              </a:rPr>
+              <a:t>무명형식 타입</a:t>
+            </a:r>
+            <a:r>
+              <a:rPr lang="ko-KR" altLang="en-US" dirty="0" smtClean="0"/>
+              <a:t>도 사용할 수 있다</a:t>
+            </a:r>
+            <a:r>
+              <a:rPr lang="en-US" altLang="ko-KR" dirty="0" smtClean="0"/>
+              <a:t>.</a:t>
+            </a:r>
+          </a:p>
+          <a:p>
+            <a:r>
+              <a:rPr lang="ko-KR" altLang="en-US" dirty="0" smtClean="0"/>
+              <a:t>예제</a:t>
+            </a:r>
+            <a:r>
+              <a:rPr lang="en-US" altLang="ko-KR" dirty="0" smtClean="0"/>
+              <a:t>)</a:t>
+            </a:r>
+          </a:p>
+          <a:p>
+            <a:r>
+              <a:rPr lang="en-US" altLang="ko-KR" dirty="0" err="1" smtClean="0">
+                <a:solidFill>
+                  <a:schemeClr val="accent5"/>
+                </a:solidFill>
+              </a:rPr>
+              <a:t>int</a:t>
+            </a:r>
+            <a:r>
+              <a:rPr lang="en-US" altLang="ko-KR" dirty="0" smtClean="0"/>
+              <a:t> </a:t>
+            </a:r>
+            <a:r>
+              <a:rPr lang="en-US" altLang="ko-KR" dirty="0"/>
+              <a:t>[]</a:t>
+            </a:r>
+            <a:r>
+              <a:rPr lang="en-US" altLang="ko-KR" dirty="0" smtClean="0"/>
+              <a:t> array = {1, 2, 3, 4, 5, 6, 7, 8, 9};</a:t>
+            </a:r>
+            <a:endParaRPr lang="en-US" altLang="ko-KR" dirty="0"/>
+          </a:p>
+          <a:p>
+            <a:endParaRPr lang="en-US" altLang="ko-KR" dirty="0" smtClean="0"/>
+          </a:p>
+          <a:p>
+            <a:r>
+              <a:rPr lang="en-US" altLang="ko-KR" dirty="0" err="1">
+                <a:solidFill>
+                  <a:schemeClr val="accent5"/>
+                </a:solidFill>
+              </a:rPr>
+              <a:t>v</a:t>
+            </a:r>
+            <a:r>
+              <a:rPr lang="en-US" altLang="ko-KR" dirty="0" err="1" smtClean="0">
+                <a:solidFill>
+                  <a:schemeClr val="accent5"/>
+                </a:solidFill>
+              </a:rPr>
+              <a:t>ar</a:t>
+            </a:r>
+            <a:r>
+              <a:rPr lang="en-US" altLang="ko-KR" dirty="0" smtClean="0">
+                <a:solidFill>
+                  <a:schemeClr val="accent5"/>
+                </a:solidFill>
+              </a:rPr>
+              <a:t> </a:t>
+            </a:r>
+            <a:r>
+              <a:rPr lang="en-US" altLang="ko-KR" dirty="0" smtClean="0"/>
+              <a:t>temp = </a:t>
+            </a:r>
+            <a:r>
+              <a:rPr lang="en-US" altLang="ko-KR" dirty="0" smtClean="0">
+                <a:solidFill>
+                  <a:schemeClr val="accent5"/>
+                </a:solidFill>
+              </a:rPr>
+              <a:t>from</a:t>
+            </a:r>
+            <a:r>
+              <a:rPr lang="en-US" altLang="ko-KR" dirty="0" smtClean="0"/>
+              <a:t> element </a:t>
+            </a:r>
+            <a:r>
+              <a:rPr lang="en-US" altLang="ko-KR" dirty="0" smtClean="0">
+                <a:solidFill>
+                  <a:schemeClr val="accent5"/>
+                </a:solidFill>
+              </a:rPr>
+              <a:t>in</a:t>
+            </a:r>
+            <a:r>
+              <a:rPr lang="en-US" altLang="ko-KR" dirty="0" smtClean="0"/>
+              <a:t> array </a:t>
+            </a:r>
+          </a:p>
+          <a:p>
+            <a:r>
+              <a:rPr lang="en-US" altLang="ko-KR" dirty="0" smtClean="0">
+                <a:solidFill>
+                  <a:schemeClr val="accent5"/>
+                </a:solidFill>
+              </a:rPr>
+              <a:t>	    where</a:t>
+            </a:r>
+            <a:r>
+              <a:rPr lang="en-US" altLang="ko-KR" dirty="0" smtClean="0"/>
+              <a:t> element%2 == 0</a:t>
+            </a:r>
+          </a:p>
+          <a:p>
+            <a:r>
+              <a:rPr lang="en-US" altLang="ko-KR" dirty="0" smtClean="0"/>
+              <a:t>	    </a:t>
+            </a:r>
+            <a:r>
+              <a:rPr lang="en-US" altLang="ko-KR" dirty="0" smtClean="0">
+                <a:solidFill>
+                  <a:schemeClr val="accent5"/>
+                </a:solidFill>
+              </a:rPr>
+              <a:t>select</a:t>
+            </a:r>
+            <a:r>
+              <a:rPr lang="en-US" altLang="ko-KR" dirty="0" smtClean="0"/>
+              <a:t> new {</a:t>
+            </a:r>
+            <a:r>
+              <a:rPr lang="en-US" altLang="ko-KR" dirty="0"/>
+              <a:t>value = element, type = "</a:t>
+            </a:r>
+            <a:r>
+              <a:rPr lang="ko-KR" altLang="en-US" dirty="0"/>
+              <a:t>짝수</a:t>
+            </a:r>
+            <a:r>
+              <a:rPr lang="en-US" altLang="ko-KR" dirty="0"/>
+              <a:t>"</a:t>
+            </a:r>
+            <a:r>
+              <a:rPr lang="en-US" altLang="ko-KR" dirty="0" smtClean="0"/>
+              <a:t>};</a:t>
+            </a:r>
+            <a:endParaRPr lang="en-US" altLang="ko-KR" dirty="0"/>
+          </a:p>
+        </p:txBody>
+      </p:sp>
+    </p:spTree>
+    <p:extLst>
+      <p:ext uri="{BB962C8B-B14F-4D97-AF65-F5344CB8AC3E}">
+        <p14:creationId xmlns:p14="http://schemas.microsoft.com/office/powerpoint/2010/main" val="1628608473"/>
+      </p:ext>
+    </p:extLst>
+  </p:cSld>
+  <p:clrMapOvr>
+    <a:masterClrMapping/>
+  </p:clrMapOvr>
+</p:sld>
+</file>
+
+<file path=ppt/slides/slide6.xml><?xml version="1.0" encoding="utf-8"?>
+<p:sld xmlns:a="http://schemas.openxmlformats.org/drawingml/2006/main" xmlns:r="http://schemas.openxmlformats.org/officeDocument/2006/relationships" xmlns:p="http://schemas.openxmlformats.org/presentationml/2006/main">
+  <p:cSld>
+    <p:spTree>
+      <p:nvGrpSpPr>
+        <p:cNvPr id="1" name=""/>
+        <p:cNvGrpSpPr/>
+        <p:nvPr/>
+      </p:nvGrpSpPr>
+      <p:grpSpPr>
+        <a:xfrm>
+          <a:off x="0" y="0"/>
+          <a:ext cx="0" cy="0"/>
+          <a:chOff x="0" y="0"/>
+          <a:chExt cx="0" cy="0"/>
+        </a:xfrm>
+      </p:grpSpPr>
+      <p:sp>
+        <p:nvSpPr>
+          <p:cNvPr id="4" name="TextBox 3"/>
+          <p:cNvSpPr txBox="1"/>
+          <p:nvPr/>
+        </p:nvSpPr>
+        <p:spPr>
+          <a:xfrm>
+            <a:off x="550501" y="381310"/>
+            <a:ext cx="2185214" cy="646331"/>
+          </a:xfrm>
+          <a:prstGeom prst="rect">
+            <a:avLst/>
+          </a:prstGeom>
+          <a:noFill/>
+        </p:spPr>
+        <p:txBody>
+          <a:bodyPr wrap="none" rtlCol="0">
+            <a:spAutoFit/>
+          </a:bodyPr>
+          <a:lstStyle/>
+          <a:p>
+            <a:r>
+              <a:rPr lang="en-US" altLang="ko-KR" sz="3600" b="1" dirty="0" smtClean="0">
+                <a:solidFill>
+                  <a:schemeClr val="accent5"/>
+                </a:solidFill>
+                <a:latin typeface="Arial" panose="020B0604020202020204" pitchFamily="34" charset="0"/>
+                <a:cs typeface="Arial" panose="020B0604020202020204" pitchFamily="34" charset="0"/>
+              </a:rPr>
+              <a:t>LINQ </a:t>
+            </a:r>
+            <a:r>
+              <a:rPr lang="ko-KR" altLang="en-US" sz="2000" dirty="0" smtClean="0">
+                <a:latin typeface="+mj-lt"/>
+                <a:cs typeface="Arial" panose="020B0604020202020204" pitchFamily="34" charset="0"/>
+              </a:rPr>
+              <a:t>키워드</a:t>
+            </a:r>
+            <a:endParaRPr lang="ko-KR" altLang="en-US" sz="3600" dirty="0">
+              <a:latin typeface="+mj-lt"/>
+              <a:cs typeface="Arial" panose="020B0604020202020204" pitchFamily="34" charset="0"/>
+            </a:endParaRPr>
+          </a:p>
+        </p:txBody>
+      </p:sp>
+      <p:sp>
+        <p:nvSpPr>
+          <p:cNvPr id="5" name="TextBox 4"/>
+          <p:cNvSpPr txBox="1"/>
+          <p:nvPr/>
+        </p:nvSpPr>
+        <p:spPr>
+          <a:xfrm>
+            <a:off x="541467" y="1411705"/>
+            <a:ext cx="11216468" cy="5232202"/>
+          </a:xfrm>
+          <a:prstGeom prst="rect">
+            <a:avLst/>
+          </a:prstGeom>
+          <a:noFill/>
+        </p:spPr>
+        <p:txBody>
+          <a:bodyPr wrap="none" rtlCol="0">
+            <a:spAutoFit/>
+          </a:bodyPr>
+          <a:lstStyle/>
+          <a:p>
+            <a:r>
+              <a:rPr lang="en-US" altLang="ko-KR" sz="3200" dirty="0" err="1" smtClean="0"/>
+              <a:t>orderby</a:t>
+            </a:r>
+            <a:endParaRPr lang="en-US" altLang="ko-KR" sz="3200" dirty="0" smtClean="0"/>
+          </a:p>
+          <a:p>
+            <a:endParaRPr lang="en-US" altLang="ko-KR" sz="3200" dirty="0" smtClean="0"/>
+          </a:p>
+          <a:p>
+            <a:endParaRPr lang="en-US" altLang="ko-KR" dirty="0" smtClean="0"/>
+          </a:p>
+          <a:p>
+            <a:r>
+              <a:rPr lang="en-US" altLang="ko-KR" dirty="0" smtClean="0"/>
+              <a:t>Where</a:t>
+            </a:r>
+            <a:r>
+              <a:rPr lang="ko-KR" altLang="en-US" dirty="0" smtClean="0"/>
+              <a:t>문에서 걸러진 데이터를 정렬해주는 연산자</a:t>
+            </a:r>
+            <a:r>
+              <a:rPr lang="ko-KR" altLang="en-US" dirty="0"/>
+              <a:t>이</a:t>
+            </a:r>
+            <a:r>
+              <a:rPr lang="ko-KR" altLang="en-US" dirty="0" smtClean="0"/>
+              <a:t>며</a:t>
+            </a:r>
+            <a:r>
+              <a:rPr lang="en-US" altLang="ko-KR" dirty="0" smtClean="0"/>
+              <a:t> </a:t>
+            </a:r>
+            <a:r>
+              <a:rPr lang="ko-KR" altLang="en-US" dirty="0" smtClean="0"/>
+              <a:t>어떤 기준으로 정렬하느냐 에 따라 데이터의 순서가 </a:t>
+            </a:r>
+            <a:endParaRPr lang="en-US" altLang="ko-KR" dirty="0" smtClean="0"/>
+          </a:p>
+          <a:p>
+            <a:r>
+              <a:rPr lang="ko-KR" altLang="en-US" dirty="0" smtClean="0"/>
+              <a:t>바뀐다</a:t>
+            </a:r>
+            <a:r>
+              <a:rPr lang="en-US" altLang="ko-KR" dirty="0" smtClean="0"/>
+              <a:t>.</a:t>
+            </a:r>
+          </a:p>
+          <a:p>
+            <a:endParaRPr lang="en-US" altLang="ko-KR" dirty="0"/>
+          </a:p>
+          <a:p>
+            <a:r>
+              <a:rPr lang="ko-KR" altLang="en-US" dirty="0" smtClean="0"/>
+              <a:t>기본값으로 오름차순</a:t>
+            </a:r>
+            <a:r>
+              <a:rPr lang="en-US" altLang="ko-KR" dirty="0" smtClean="0"/>
+              <a:t>(</a:t>
+            </a:r>
+            <a:r>
+              <a:rPr lang="en-US" altLang="ko-KR" b="1" dirty="0" smtClean="0">
+                <a:solidFill>
+                  <a:schemeClr val="accent5"/>
+                </a:solidFill>
+                <a:latin typeface="Arial" panose="020B0604020202020204" pitchFamily="34" charset="0"/>
+                <a:cs typeface="Arial" panose="020B0604020202020204" pitchFamily="34" charset="0"/>
+              </a:rPr>
+              <a:t>ascending</a:t>
+            </a:r>
+            <a:r>
+              <a:rPr lang="en-US" altLang="ko-KR" dirty="0" smtClean="0"/>
+              <a:t>)</a:t>
+            </a:r>
+            <a:r>
+              <a:rPr lang="ko-KR" altLang="en-US" dirty="0" smtClean="0"/>
+              <a:t>으로 정렬을 한다</a:t>
+            </a:r>
+            <a:r>
+              <a:rPr lang="en-US" altLang="ko-KR" dirty="0" smtClean="0"/>
+              <a:t>.</a:t>
+            </a:r>
+          </a:p>
+          <a:p>
+            <a:endParaRPr lang="en-US" altLang="ko-KR" dirty="0"/>
+          </a:p>
+          <a:p>
+            <a:r>
+              <a:rPr lang="ko-KR" altLang="en-US" dirty="0" smtClean="0"/>
+              <a:t>내림차순으로 정렬을 할 때는 </a:t>
+            </a:r>
+            <a:r>
+              <a:rPr lang="en-US" altLang="ko-KR" b="1" dirty="0" smtClean="0">
+                <a:solidFill>
+                  <a:schemeClr val="accent5"/>
+                </a:solidFill>
+                <a:latin typeface="Arial" panose="020B0604020202020204" pitchFamily="34" charset="0"/>
+                <a:cs typeface="Arial" panose="020B0604020202020204" pitchFamily="34" charset="0"/>
+              </a:rPr>
+              <a:t>descending</a:t>
+            </a:r>
+            <a:r>
+              <a:rPr lang="en-US" altLang="ko-KR" dirty="0" smtClean="0"/>
+              <a:t> </a:t>
+            </a:r>
+            <a:r>
+              <a:rPr lang="ko-KR" altLang="en-US" dirty="0" smtClean="0"/>
+              <a:t>키워드를 뒤에 추가 한다</a:t>
+            </a:r>
+            <a:r>
+              <a:rPr lang="en-US" altLang="ko-KR" dirty="0" smtClean="0"/>
+              <a:t>.</a:t>
+            </a:r>
+          </a:p>
+          <a:p>
+            <a:endParaRPr lang="en-US" altLang="ko-KR" dirty="0" smtClean="0"/>
+          </a:p>
+          <a:p>
+            <a:r>
+              <a:rPr lang="ko-KR" altLang="en-US" dirty="0" smtClean="0"/>
+              <a:t>예제</a:t>
+            </a:r>
+            <a:r>
+              <a:rPr lang="en-US" altLang="ko-KR" dirty="0" smtClean="0"/>
+              <a:t>)</a:t>
+            </a:r>
+          </a:p>
+          <a:p>
+            <a:r>
+              <a:rPr lang="en-US" altLang="ko-KR" dirty="0" smtClean="0">
+                <a:solidFill>
+                  <a:schemeClr val="accent6"/>
+                </a:solidFill>
+              </a:rPr>
+              <a:t>People</a:t>
+            </a:r>
+            <a:r>
+              <a:rPr lang="en-US" altLang="ko-KR" dirty="0" smtClean="0"/>
+              <a:t> </a:t>
+            </a:r>
+            <a:r>
+              <a:rPr lang="en-US" altLang="ko-KR" dirty="0"/>
+              <a:t>[]</a:t>
+            </a:r>
+            <a:r>
+              <a:rPr lang="en-US" altLang="ko-KR" dirty="0" smtClean="0"/>
+              <a:t> array = { </a:t>
+            </a:r>
+            <a:r>
+              <a:rPr lang="en-US" altLang="ko-KR" dirty="0" smtClean="0">
+                <a:solidFill>
+                  <a:schemeClr val="accent5"/>
+                </a:solidFill>
+              </a:rPr>
+              <a:t>new</a:t>
+            </a:r>
+            <a:r>
+              <a:rPr lang="en-US" altLang="ko-KR" dirty="0" smtClean="0"/>
+              <a:t> </a:t>
+            </a:r>
+            <a:r>
+              <a:rPr lang="en-US" altLang="ko-KR" dirty="0" smtClean="0">
+                <a:solidFill>
+                  <a:schemeClr val="accent6"/>
+                </a:solidFill>
+              </a:rPr>
+              <a:t>People</a:t>
+            </a:r>
+            <a:r>
+              <a:rPr lang="en-US" altLang="ko-KR" dirty="0" smtClean="0"/>
+              <a:t> {name = “A”, age = 10}, </a:t>
+            </a:r>
+            <a:r>
+              <a:rPr lang="en-US" altLang="ko-KR" dirty="0">
+                <a:solidFill>
+                  <a:schemeClr val="accent5"/>
+                </a:solidFill>
+              </a:rPr>
+              <a:t>new</a:t>
+            </a:r>
+            <a:r>
+              <a:rPr lang="en-US" altLang="ko-KR" dirty="0"/>
+              <a:t> </a:t>
+            </a:r>
+            <a:r>
+              <a:rPr lang="en-US" altLang="ko-KR" dirty="0">
+                <a:solidFill>
+                  <a:schemeClr val="accent6"/>
+                </a:solidFill>
+              </a:rPr>
+              <a:t>People</a:t>
+            </a:r>
+            <a:r>
+              <a:rPr lang="en-US" altLang="ko-KR" dirty="0"/>
+              <a:t> {name = </a:t>
+            </a:r>
+            <a:r>
+              <a:rPr lang="en-US" altLang="ko-KR" dirty="0" smtClean="0"/>
+              <a:t>“B”, </a:t>
+            </a:r>
+            <a:r>
+              <a:rPr lang="en-US" altLang="ko-KR" dirty="0"/>
+              <a:t>age = </a:t>
+            </a:r>
+            <a:r>
+              <a:rPr lang="en-US" altLang="ko-KR" dirty="0" smtClean="0"/>
+              <a:t>30}, </a:t>
+            </a:r>
+          </a:p>
+          <a:p>
+            <a:r>
+              <a:rPr lang="en-US" altLang="ko-KR" dirty="0"/>
+              <a:t>	</a:t>
+            </a:r>
+            <a:r>
+              <a:rPr lang="en-US" altLang="ko-KR" dirty="0" smtClean="0"/>
+              <a:t>	 </a:t>
+            </a:r>
+            <a:r>
+              <a:rPr lang="en-US" altLang="ko-KR" dirty="0">
+                <a:solidFill>
+                  <a:schemeClr val="accent5"/>
+                </a:solidFill>
+              </a:rPr>
+              <a:t>new</a:t>
+            </a:r>
+            <a:r>
+              <a:rPr lang="en-US" altLang="ko-KR" dirty="0"/>
+              <a:t> </a:t>
+            </a:r>
+            <a:r>
+              <a:rPr lang="en-US" altLang="ko-KR" dirty="0">
+                <a:solidFill>
+                  <a:schemeClr val="accent6"/>
+                </a:solidFill>
+              </a:rPr>
+              <a:t>People</a:t>
+            </a:r>
+            <a:r>
+              <a:rPr lang="en-US" altLang="ko-KR" dirty="0"/>
+              <a:t> {name = “A”, age = </a:t>
+            </a:r>
+            <a:r>
+              <a:rPr lang="en-US" altLang="ko-KR" dirty="0" smtClean="0"/>
+              <a:t>9} };</a:t>
+            </a:r>
+            <a:endParaRPr lang="en-US" altLang="ko-KR" dirty="0"/>
+          </a:p>
+          <a:p>
+            <a:r>
+              <a:rPr lang="en-US" altLang="ko-KR" dirty="0" err="1" smtClean="0">
+                <a:solidFill>
+                  <a:schemeClr val="accent5"/>
+                </a:solidFill>
+              </a:rPr>
+              <a:t>var</a:t>
+            </a:r>
+            <a:r>
+              <a:rPr lang="en-US" altLang="ko-KR" dirty="0" smtClean="0">
+                <a:solidFill>
+                  <a:schemeClr val="accent5"/>
+                </a:solidFill>
+              </a:rPr>
+              <a:t> </a:t>
+            </a:r>
+            <a:r>
+              <a:rPr lang="en-US" altLang="ko-KR" dirty="0" smtClean="0"/>
+              <a:t>temp = </a:t>
+            </a:r>
+            <a:r>
+              <a:rPr lang="en-US" altLang="ko-KR" dirty="0" smtClean="0">
+                <a:solidFill>
+                  <a:schemeClr val="accent5"/>
+                </a:solidFill>
+              </a:rPr>
+              <a:t>from</a:t>
+            </a:r>
+            <a:r>
+              <a:rPr lang="en-US" altLang="ko-KR" dirty="0" smtClean="0"/>
+              <a:t> element </a:t>
+            </a:r>
+            <a:r>
+              <a:rPr lang="en-US" altLang="ko-KR" dirty="0" smtClean="0">
+                <a:solidFill>
+                  <a:schemeClr val="accent5"/>
+                </a:solidFill>
+              </a:rPr>
+              <a:t>in</a:t>
+            </a:r>
+            <a:r>
+              <a:rPr lang="en-US" altLang="ko-KR" dirty="0" smtClean="0"/>
+              <a:t> array </a:t>
+            </a:r>
+          </a:p>
+          <a:p>
+            <a:r>
+              <a:rPr lang="en-US" altLang="ko-KR" dirty="0" smtClean="0">
+                <a:solidFill>
+                  <a:schemeClr val="accent5"/>
+                </a:solidFill>
+              </a:rPr>
+              <a:t>	    where</a:t>
+            </a:r>
+            <a:r>
+              <a:rPr lang="en-US" altLang="ko-KR" dirty="0" smtClean="0"/>
+              <a:t> element.age%2 == 0</a:t>
+            </a:r>
+          </a:p>
+          <a:p>
+            <a:r>
+              <a:rPr lang="en-US" altLang="ko-KR" dirty="0" smtClean="0"/>
+              <a:t>	    </a:t>
+            </a:r>
+            <a:r>
+              <a:rPr lang="en-US" altLang="ko-KR" dirty="0" err="1" smtClean="0">
+                <a:solidFill>
+                  <a:schemeClr val="accent5"/>
+                </a:solidFill>
+              </a:rPr>
+              <a:t>orderby</a:t>
+            </a:r>
+            <a:r>
+              <a:rPr lang="en-US" altLang="ko-KR" dirty="0" smtClean="0"/>
+              <a:t> </a:t>
+            </a:r>
+            <a:r>
+              <a:rPr lang="en-US" altLang="ko-KR" dirty="0" err="1" smtClean="0"/>
+              <a:t>element.age</a:t>
+            </a:r>
+            <a:r>
+              <a:rPr lang="en-US" altLang="ko-KR" dirty="0" smtClean="0"/>
+              <a:t> </a:t>
+            </a:r>
+            <a:r>
+              <a:rPr lang="en-US" altLang="ko-KR" dirty="0" smtClean="0">
+                <a:solidFill>
+                  <a:schemeClr val="accent5"/>
+                </a:solidFill>
+              </a:rPr>
+              <a:t>descending</a:t>
+            </a:r>
+          </a:p>
+          <a:p>
+            <a:r>
+              <a:rPr lang="en-US" altLang="ko-KR" dirty="0" smtClean="0"/>
+              <a:t>	    </a:t>
+            </a:r>
+            <a:r>
+              <a:rPr lang="en-US" altLang="ko-KR" dirty="0" smtClean="0">
+                <a:solidFill>
+                  <a:schemeClr val="accent5"/>
+                </a:solidFill>
+              </a:rPr>
+              <a:t>select</a:t>
+            </a:r>
+            <a:r>
+              <a:rPr lang="en-US" altLang="ko-KR" dirty="0" smtClean="0"/>
+              <a:t> element;</a:t>
+            </a:r>
+            <a:endParaRPr lang="en-US" altLang="ko-KR" dirty="0"/>
+          </a:p>
+        </p:txBody>
+      </p:sp>
+    </p:spTree>
+    <p:extLst>
+      <p:ext uri="{BB962C8B-B14F-4D97-AF65-F5344CB8AC3E}">
+        <p14:creationId xmlns:p14="http://schemas.microsoft.com/office/powerpoint/2010/main" val="620074988"/>
+      </p:ext>
+    </p:extLst>
+  </p:cSld>
+  <p:clrMapOvr>
+    <a:masterClrMapping/>
+  </p:clrMapOvr>
+</p:sld>
+</file>
+
+<file path=ppt/slides/slide7.xml><?xml version="1.0" encoding="utf-8"?>
+<p:sld xmlns:a="http://schemas.openxmlformats.org/drawingml/2006/main" xmlns:r="http://schemas.openxmlformats.org/officeDocument/2006/relationships" xmlns:p="http://schemas.openxmlformats.org/presentationml/2006/main">
+  <p:cSld>
+    <p:spTree>
+      <p:nvGrpSpPr>
+        <p:cNvPr id="1" name=""/>
+        <p:cNvGrpSpPr/>
+        <p:nvPr/>
+      </p:nvGrpSpPr>
+      <p:grpSpPr>
+        <a:xfrm>
+          <a:off x="0" y="0"/>
+          <a:ext cx="0" cy="0"/>
+          <a:chOff x="0" y="0"/>
+          <a:chExt cx="0" cy="0"/>
+        </a:xfrm>
+      </p:grpSpPr>
+      <p:sp>
+        <p:nvSpPr>
+          <p:cNvPr id="4" name="TextBox 3"/>
+          <p:cNvSpPr txBox="1"/>
+          <p:nvPr/>
+        </p:nvSpPr>
+        <p:spPr>
+          <a:xfrm>
+            <a:off x="550501" y="381310"/>
+            <a:ext cx="2441694" cy="646331"/>
+          </a:xfrm>
+          <a:prstGeom prst="rect">
+            <a:avLst/>
+          </a:prstGeom>
+          <a:noFill/>
+        </p:spPr>
+        <p:txBody>
+          <a:bodyPr wrap="none" rtlCol="0">
+            <a:spAutoFit/>
+          </a:bodyPr>
+          <a:lstStyle/>
+          <a:p>
+            <a:r>
+              <a:rPr lang="en-US" altLang="ko-KR" sz="3600" b="1" dirty="0" smtClean="0">
+                <a:solidFill>
+                  <a:schemeClr val="accent5"/>
+                </a:solidFill>
+                <a:latin typeface="Arial" panose="020B0604020202020204" pitchFamily="34" charset="0"/>
+                <a:cs typeface="Arial" panose="020B0604020202020204" pitchFamily="34" charset="0"/>
+              </a:rPr>
+              <a:t>LINQ </a:t>
+            </a:r>
+            <a:r>
+              <a:rPr lang="ko-KR" altLang="en-US" sz="2000" dirty="0" smtClean="0">
+                <a:latin typeface="+mj-lt"/>
+                <a:cs typeface="Arial" panose="020B0604020202020204" pitchFamily="34" charset="0"/>
+              </a:rPr>
+              <a:t>참고자료</a:t>
+            </a:r>
+            <a:endParaRPr lang="ko-KR" altLang="en-US" sz="3600" dirty="0">
+              <a:latin typeface="+mj-lt"/>
+              <a:cs typeface="Arial" panose="020B0604020202020204" pitchFamily="34" charset="0"/>
+            </a:endParaRPr>
+          </a:p>
+        </p:txBody>
+      </p:sp>
+      <p:sp>
+        <p:nvSpPr>
+          <p:cNvPr id="7" name="TextBox 6"/>
+          <p:cNvSpPr txBox="1"/>
+          <p:nvPr/>
+        </p:nvSpPr>
+        <p:spPr>
+          <a:xfrm>
+            <a:off x="541467" y="2342147"/>
+            <a:ext cx="10135403" cy="2769989"/>
+          </a:xfrm>
+          <a:prstGeom prst="rect">
+            <a:avLst/>
+          </a:prstGeom>
+          <a:noFill/>
+        </p:spPr>
+        <p:txBody>
+          <a:bodyPr wrap="none" rtlCol="0">
+            <a:spAutoFit/>
+          </a:bodyPr>
+          <a:lstStyle/>
+          <a:p>
+            <a:r>
+              <a:rPr lang="en-US" altLang="ko-KR" sz="2400" dirty="0" smtClean="0">
+                <a:solidFill>
+                  <a:srgbClr val="7030A0"/>
+                </a:solidFill>
+                <a:latin typeface="Arial" panose="020B0604020202020204" pitchFamily="34" charset="0"/>
+                <a:cs typeface="Arial" panose="020B0604020202020204" pitchFamily="34" charset="0"/>
+              </a:rPr>
+              <a:t>LINQ </a:t>
+            </a:r>
+            <a:r>
+              <a:rPr lang="ko-KR" altLang="en-US" sz="2400" dirty="0" smtClean="0">
+                <a:solidFill>
+                  <a:srgbClr val="7030A0"/>
+                </a:solidFill>
+                <a:latin typeface="Arial" panose="020B0604020202020204" pitchFamily="34" charset="0"/>
+                <a:cs typeface="Arial" panose="020B0604020202020204" pitchFamily="34" charset="0"/>
+              </a:rPr>
+              <a:t>키워드</a:t>
+            </a:r>
+            <a:endParaRPr lang="en-US" altLang="ko-KR" sz="2400" dirty="0" smtClean="0">
+              <a:solidFill>
+                <a:srgbClr val="7030A0"/>
+              </a:solidFill>
+              <a:latin typeface="Arial" panose="020B0604020202020204" pitchFamily="34" charset="0"/>
+              <a:cs typeface="Arial" panose="020B0604020202020204" pitchFamily="34" charset="0"/>
+            </a:endParaRPr>
+          </a:p>
+          <a:p>
+            <a:r>
+              <a:rPr lang="en-US" altLang="ko-KR" dirty="0">
+                <a:hlinkClick r:id="rId2"/>
+              </a:rPr>
+              <a:t>https://</a:t>
+            </a:r>
+            <a:r>
+              <a:rPr lang="en-US" altLang="ko-KR" dirty="0" smtClean="0">
+                <a:hlinkClick r:id="rId2"/>
+              </a:rPr>
+              <a:t>msdn.microsoft.com/en-us/library/bb310804.aspx</a:t>
+            </a:r>
+            <a:r>
+              <a:rPr lang="en-US" altLang="ko-KR" dirty="0" smtClean="0"/>
+              <a:t>(</a:t>
+            </a:r>
+            <a:r>
+              <a:rPr lang="ko-KR" altLang="en-US" dirty="0" smtClean="0"/>
+              <a:t>영어</a:t>
+            </a:r>
+            <a:r>
+              <a:rPr lang="en-US" altLang="ko-KR" dirty="0" smtClean="0"/>
+              <a:t>)</a:t>
+            </a:r>
+          </a:p>
+          <a:p>
+            <a:r>
+              <a:rPr lang="en-US" altLang="ko-KR" dirty="0">
+                <a:hlinkClick r:id="rId3"/>
+              </a:rPr>
+              <a:t>https://</a:t>
+            </a:r>
+            <a:r>
+              <a:rPr lang="en-US" altLang="ko-KR" dirty="0" smtClean="0">
+                <a:hlinkClick r:id="rId3"/>
+              </a:rPr>
+              <a:t>msdn.microsoft.com/ko-kr/library/bb310804.aspx</a:t>
+            </a:r>
+            <a:r>
+              <a:rPr lang="en-US" altLang="ko-KR" dirty="0" smtClean="0"/>
+              <a:t>(</a:t>
+            </a:r>
+            <a:r>
+              <a:rPr lang="ko-KR" altLang="en-US" dirty="0" smtClean="0"/>
+              <a:t>한글</a:t>
+            </a:r>
+            <a:r>
+              <a:rPr lang="en-US" altLang="ko-KR" dirty="0" smtClean="0"/>
+              <a:t>)</a:t>
+            </a:r>
+          </a:p>
+          <a:p>
+            <a:r>
+              <a:rPr lang="en-US" altLang="ko-KR" dirty="0">
+                <a:hlinkClick r:id="rId4"/>
+              </a:rPr>
+              <a:t>http://mrw0119.tistory.com/24</a:t>
+            </a:r>
+            <a:endParaRPr lang="en-US" altLang="ko-KR" dirty="0" smtClean="0"/>
+          </a:p>
+          <a:p>
+            <a:endParaRPr lang="en-US" altLang="ko-KR" dirty="0" smtClean="0"/>
+          </a:p>
+          <a:p>
+            <a:endParaRPr lang="en-US" altLang="ko-KR" dirty="0"/>
+          </a:p>
+          <a:p>
+            <a:r>
+              <a:rPr lang="en-US" altLang="ko-KR" sz="2400" dirty="0">
+                <a:solidFill>
+                  <a:srgbClr val="7030A0"/>
+                </a:solidFill>
+                <a:latin typeface="Arial" panose="020B0604020202020204" pitchFamily="34" charset="0"/>
+                <a:cs typeface="Arial" panose="020B0604020202020204" pitchFamily="34" charset="0"/>
+              </a:rPr>
+              <a:t>LINQ </a:t>
+            </a:r>
+            <a:r>
+              <a:rPr lang="ko-KR" altLang="en-US" sz="2400" dirty="0" smtClean="0">
+                <a:solidFill>
+                  <a:srgbClr val="7030A0"/>
+                </a:solidFill>
+                <a:latin typeface="Arial" panose="020B0604020202020204" pitchFamily="34" charset="0"/>
+                <a:cs typeface="Arial" panose="020B0604020202020204" pitchFamily="34" charset="0"/>
+              </a:rPr>
+              <a:t>강좌</a:t>
+            </a:r>
+            <a:endParaRPr lang="en-US" altLang="ko-KR" sz="2400" dirty="0">
+              <a:solidFill>
+                <a:srgbClr val="7030A0"/>
+              </a:solidFill>
+              <a:latin typeface="Arial" panose="020B0604020202020204" pitchFamily="34" charset="0"/>
+              <a:cs typeface="Arial" panose="020B0604020202020204" pitchFamily="34" charset="0"/>
+            </a:endParaRPr>
+          </a:p>
+          <a:p>
+            <a:r>
+              <a:rPr lang="en-US" altLang="ko-KR" dirty="0">
+                <a:hlinkClick r:id="rId5"/>
+              </a:rPr>
+              <a:t>https://</a:t>
+            </a:r>
+            <a:r>
+              <a:rPr lang="en-US" altLang="ko-KR" dirty="0" smtClean="0">
+                <a:hlinkClick r:id="rId5"/>
+              </a:rPr>
+              <a:t>app.pluralsight.com/library/courses/linq-fundamentals/table-of-contents(2008)</a:t>
+            </a:r>
+            <a:endParaRPr lang="en-US" altLang="ko-KR" dirty="0" smtClean="0"/>
+          </a:p>
+          <a:p>
+            <a:r>
+              <a:rPr lang="en-US" altLang="ko-KR" dirty="0">
+                <a:hlinkClick r:id="rId6"/>
+              </a:rPr>
+              <a:t>https://</a:t>
+            </a:r>
+            <a:r>
+              <a:rPr lang="en-US" altLang="ko-KR" dirty="0" smtClean="0">
+                <a:hlinkClick r:id="rId6"/>
+              </a:rPr>
+              <a:t>app.pluralsight.com/library/courses/linq-fundamentals-csharp-6/table-of-contents</a:t>
+            </a:r>
+            <a:r>
+              <a:rPr lang="en-US" altLang="ko-KR" dirty="0" smtClean="0"/>
+              <a:t>(2016)</a:t>
+            </a:r>
+          </a:p>
+        </p:txBody>
+      </p:sp>
+    </p:spTree>
+    <p:extLst>
+      <p:ext uri="{BB962C8B-B14F-4D97-AF65-F5344CB8AC3E}">
+        <p14:creationId xmlns:p14="http://schemas.microsoft.com/office/powerpoint/2010/main" val="1054627244"/>
       </p:ext>
     </p:extLst>
   </p:cSld>
